--- a/Presentation and Documentation/The Red Capybaras.pptx
+++ b/Presentation and Documentation/The Red Capybaras.pptx
@@ -19,15 +19,15 @@
   <p:notesSz cx="6858000" cy="9144000"/>
   <p:embeddedFontLst>
     <p:embeddedFont>
-      <p:font typeface="Montserrat ExtraBold" panose="020B0604020202020204" charset="-52"/>
-      <p:bold r:id="rId9"/>
-      <p:boldItalic r:id="rId10"/>
+      <p:font typeface="Montserrat" panose="020B0604020202020204" charset="-52"/>
+      <p:regular r:id="rId9"/>
+      <p:bold r:id="rId10"/>
+      <p:italic r:id="rId11"/>
+      <p:boldItalic r:id="rId12"/>
     </p:embeddedFont>
     <p:embeddedFont>
-      <p:font typeface="Montserrat" panose="020B0604020202020204" charset="-52"/>
-      <p:regular r:id="rId11"/>
-      <p:bold r:id="rId12"/>
-      <p:italic r:id="rId13"/>
+      <p:font typeface="Montserrat ExtraBold" panose="020B0604020202020204" charset="-52"/>
+      <p:bold r:id="rId13"/>
       <p:boldItalic r:id="rId14"/>
     </p:embeddedFont>
   </p:embeddedFontLst>
@@ -7713,48 +7713,6 @@
           </a:p>
         </p:txBody>
       </p:sp>
-      <p:sp>
-        <p:nvSpPr>
-          <p:cNvPr id="163" name="Google Shape;163;p38"/>
-          <p:cNvSpPr txBox="1">
-            <a:spLocks noGrp="1"/>
-          </p:cNvSpPr>
-          <p:nvPr>
-            <p:ph type="subTitle" idx="1"/>
-          </p:nvPr>
-        </p:nvSpPr>
-        <p:spPr>
-          <a:xfrm>
-            <a:off x="2044200" y="2745172"/>
-            <a:ext cx="5055600" cy="464700"/>
-          </a:xfrm>
-          <a:prstGeom prst="rect">
-            <a:avLst/>
-          </a:prstGeom>
-        </p:spPr>
-        <p:txBody>
-          <a:bodyPr spcFirstLastPara="1" wrap="square" lIns="91425" tIns="91425" rIns="91425" bIns="91425" anchor="t" anchorCtr="0">
-            <a:noAutofit/>
-          </a:bodyPr>
-          <a:lstStyle/>
-          <a:p>
-            <a:pPr marL="0" lvl="0" indent="0" algn="ctr" rtl="0">
-              <a:spcBef>
-                <a:spcPts val="0"/>
-              </a:spcBef>
-              <a:spcAft>
-                <a:spcPts val="0"/>
-              </a:spcAft>
-              <a:buNone/>
-            </a:pPr>
-            <a:r>
-              <a:rPr lang="en" dirty="0"/>
-              <a:t>Here starts your presentation</a:t>
-            </a:r>
-            <a:endParaRPr dirty="0"/>
-          </a:p>
-        </p:txBody>
-      </p:sp>
       <p:cxnSp>
         <p:nvCxnSpPr>
           <p:cNvPr id="165" name="Google Shape;165;p38"/>
@@ -7793,6 +7751,13 @@
   <p:clrMapOvr>
     <a:masterClrMapping/>
   </p:clrMapOvr>
+  <p:timing>
+    <p:tnLst>
+      <p:par>
+        <p:cTn id="1" dur="indefinite" restart="never" nodeType="tmRoot"/>
+      </p:par>
+    </p:tnLst>
+  </p:timing>
 </p:sld>
 </file>
 
@@ -15388,6 +15353,25 @@
   <p:clrMapOvr>
     <a:masterClrMapping/>
   </p:clrMapOvr>
+  <mc:AlternateContent xmlns:mc="http://schemas.openxmlformats.org/markup-compatibility/2006">
+    <mc:Choice xmlns:p14="http://schemas.microsoft.com/office/powerpoint/2010/main" Requires="p14">
+      <p:transition spd="med" p14:dur="700">
+        <p:fade/>
+      </p:transition>
+    </mc:Choice>
+    <mc:Fallback>
+      <p:transition spd="med">
+        <p:fade/>
+      </p:transition>
+    </mc:Fallback>
+  </mc:AlternateContent>
+  <p:timing>
+    <p:tnLst>
+      <p:par>
+        <p:cTn id="1" dur="indefinite" restart="never" nodeType="tmRoot"/>
+      </p:par>
+    </p:tnLst>
+  </p:timing>
 </p:sld>
 </file>
 
@@ -15530,6 +15514,25 @@
   <p:clrMapOvr>
     <a:masterClrMapping/>
   </p:clrMapOvr>
+  <mc:AlternateContent xmlns:mc="http://schemas.openxmlformats.org/markup-compatibility/2006">
+    <mc:Choice xmlns:p14="http://schemas.microsoft.com/office/powerpoint/2010/main" Requires="p14">
+      <p:transition spd="med" p14:dur="700">
+        <p:fade/>
+      </p:transition>
+    </mc:Choice>
+    <mc:Fallback>
+      <p:transition spd="med">
+        <p:fade/>
+      </p:transition>
+    </mc:Fallback>
+  </mc:AlternateContent>
+  <p:timing>
+    <p:tnLst>
+      <p:par>
+        <p:cTn id="1" dur="indefinite" restart="never" nodeType="tmRoot"/>
+      </p:par>
+    </p:tnLst>
+  </p:timing>
 </p:sld>
 </file>
 
@@ -15626,11 +15629,6 @@
               </a:rPr>
               <a:t>Starting to work</a:t>
             </a:r>
-            <a:endParaRPr lang="en-US" dirty="0">
-              <a:solidFill>
-                <a:srgbClr val="F3F3F3"/>
-              </a:solidFill>
-            </a:endParaRPr>
           </a:p>
         </p:txBody>
       </p:sp>
@@ -15668,11 +15666,6 @@
               </a:rPr>
               <a:t>Finishing the project</a:t>
             </a:r>
-            <a:endParaRPr lang="en-US" dirty="0">
-              <a:solidFill>
-                <a:srgbClr val="F3F3F3"/>
-              </a:solidFill>
-            </a:endParaRPr>
           </a:p>
         </p:txBody>
       </p:sp>
@@ -15710,11 +15703,6 @@
               </a:rPr>
               <a:t>Finding each other</a:t>
             </a:r>
-            <a:endParaRPr lang="en-US" dirty="0">
-              <a:solidFill>
-                <a:srgbClr val="F3F3F3"/>
-              </a:solidFill>
-            </a:endParaRPr>
           </a:p>
         </p:txBody>
       </p:sp>
@@ -15939,6 +15927,25 @@
   <p:clrMapOvr>
     <a:masterClrMapping/>
   </p:clrMapOvr>
+  <mc:AlternateContent xmlns:mc="http://schemas.openxmlformats.org/markup-compatibility/2006">
+    <mc:Choice xmlns:p14="http://schemas.microsoft.com/office/powerpoint/2010/main" Requires="p14">
+      <p:transition spd="med" p14:dur="700">
+        <p:fade/>
+      </p:transition>
+    </mc:Choice>
+    <mc:Fallback>
+      <p:transition spd="med">
+        <p:fade/>
+      </p:transition>
+    </mc:Fallback>
+  </mc:AlternateContent>
+  <p:timing>
+    <p:tnLst>
+      <p:par>
+        <p:cTn id="1" dur="indefinite" restart="never" nodeType="tmRoot"/>
+      </p:par>
+    </p:tnLst>
+  </p:timing>
 </p:sld>
 </file>
 
@@ -16615,6 +16622,25 @@
   <p:clrMapOvr>
     <a:masterClrMapping/>
   </p:clrMapOvr>
+  <mc:AlternateContent xmlns:mc="http://schemas.openxmlformats.org/markup-compatibility/2006">
+    <mc:Choice xmlns:p14="http://schemas.microsoft.com/office/powerpoint/2010/main" Requires="p14">
+      <p:transition spd="med" p14:dur="700">
+        <p:fade/>
+      </p:transition>
+    </mc:Choice>
+    <mc:Fallback>
+      <p:transition spd="med">
+        <p:fade/>
+      </p:transition>
+    </mc:Fallback>
+  </mc:AlternateContent>
+  <p:timing>
+    <p:tnLst>
+      <p:par>
+        <p:cTn id="1" dur="indefinite" restart="never" nodeType="tmRoot"/>
+      </p:par>
+    </p:tnLst>
+  </p:timing>
 </p:sld>
 </file>
 
@@ -16935,6 +16961,25 @@
   <p:clrMapOvr>
     <a:masterClrMapping/>
   </p:clrMapOvr>
+  <mc:AlternateContent xmlns:mc="http://schemas.openxmlformats.org/markup-compatibility/2006">
+    <mc:Choice xmlns:p14="http://schemas.microsoft.com/office/powerpoint/2010/main" Requires="p14">
+      <p:transition spd="med" p14:dur="700">
+        <p:fade/>
+      </p:transition>
+    </mc:Choice>
+    <mc:Fallback>
+      <p:transition spd="med">
+        <p:fade/>
+      </p:transition>
+    </mc:Fallback>
+  </mc:AlternateContent>
+  <p:timing>
+    <p:tnLst>
+      <p:par>
+        <p:cTn id="1" dur="indefinite" restart="never" nodeType="tmRoot"/>
+      </p:par>
+    </p:tnLst>
+  </p:timing>
 </p:sld>
 </file>
 
